--- a/Documentacion/ElectricHalen.pptx
+++ b/Documentacion/ElectricHalen.pptx
@@ -7394,6 +7394,18 @@
   <p:clrMapOvr>
     <a:masterClrMapping/>
   </p:clrMapOvr>
+  <mc:AlternateContent xmlns:mc="http://schemas.openxmlformats.org/markup-compatibility/2006">
+    <mc:Choice xmlns:p14="http://schemas.microsoft.com/office/powerpoint/2010/main" Requires="p14">
+      <p:transition spd="slow" p14:dur="1500">
+        <p:split orient="vert"/>
+      </p:transition>
+    </mc:Choice>
+    <mc:Fallback>
+      <p:transition spd="slow">
+        <p:split orient="vert"/>
+      </p:transition>
+    </mc:Fallback>
+  </mc:AlternateContent>
 </p:sld>
 </file>
 
@@ -7490,6 +7502,9 @@
   <p:clrMapOvr>
     <a:masterClrMapping/>
   </p:clrMapOvr>
+  <p:transition spd="slow">
+    <p:push dir="u"/>
+  </p:transition>
 </p:sld>
 </file>
 
@@ -7617,6 +7632,9 @@
   <p:clrMapOvr>
     <a:masterClrMapping/>
   </p:clrMapOvr>
+  <p:transition spd="slow">
+    <p:wipe/>
+  </p:transition>
 </p:sld>
 </file>
 
@@ -7899,6 +7917,9 @@
   <p:clrMapOvr>
     <a:masterClrMapping/>
   </p:clrMapOvr>
+  <p:transition spd="slow">
+    <p:wipe/>
+  </p:transition>
 </p:sld>
 </file>
 
@@ -7979,7 +8000,15 @@
           <a:p>
             <a:r>
               <a:rPr lang="es-ES" dirty="0"/>
-              <a:t>Un apartado donde pudiera ver su perfil y los instrumentos que tiene publicados, y a su vez, poder ver los pedidos que hubiera realizado. </a:t>
+              <a:t>Un apartado donde pudiera ver su perfil y los instrumentos que tiene publicados (pudiendo editarlos </a:t>
+            </a:r>
+            <a:r>
+              <a:rPr lang="es-ES"/>
+              <a:t>y borrarlos), </a:t>
+            </a:r>
+            <a:r>
+              <a:rPr lang="es-ES" dirty="0"/>
+              <a:t>y a su vez, poder ver los pedidos que hubiera realizado. </a:t>
             </a:r>
           </a:p>
           <a:p>
@@ -8018,6 +8047,9 @@
   <p:clrMapOvr>
     <a:masterClrMapping/>
   </p:clrMapOvr>
+  <p:transition spd="slow">
+    <p:wipe/>
+  </p:transition>
 </p:sld>
 </file>
 
@@ -8107,6 +8139,9 @@
   <p:clrMapOvr>
     <a:masterClrMapping/>
   </p:clrMapOvr>
+  <p:transition spd="slow">
+    <p:wipe/>
+  </p:transition>
 </p:sld>
 </file>
 
@@ -8196,6 +8231,9 @@
   <p:clrMapOvr>
     <a:masterClrMapping/>
   </p:clrMapOvr>
+  <p:transition spd="slow">
+    <p:wipe/>
+  </p:transition>
 </p:sld>
 </file>
 
@@ -8378,6 +8416,9 @@
   <p:clrMapOvr>
     <a:masterClrMapping/>
   </p:clrMapOvr>
+  <p:transition spd="slow">
+    <p:wipe/>
+  </p:transition>
 </p:sld>
 </file>
 
@@ -8500,6 +8541,9 @@
   <p:clrMapOvr>
     <a:masterClrMapping/>
   </p:clrMapOvr>
+  <p:transition spd="slow">
+    <p:wipe/>
+  </p:transition>
 </p:sld>
 </file>
 
@@ -10506,6 +10550,9 @@
   <p:clrMapOvr>
     <a:masterClrMapping/>
   </p:clrMapOvr>
+  <p:transition spd="slow">
+    <p:wipe/>
+  </p:transition>
 </p:sld>
 </file>
 
